--- a/travelpedia plan.pptx
+++ b/travelpedia plan.pptx
@@ -118,6 +118,11 @@
       </a:defRPr>
     </a:lvl9pPr>
   </p:defaultTextStyle>
+  <p:extLst>
+    <p:ext uri="{EFAFB233-063F-42B5-8137-9DF3F51BA10A}">
+      <p15:sldGuideLst xmlns:p15="http://schemas.microsoft.com/office/powerpoint/2012/main"/>
+    </p:ext>
+  </p:extLst>
 </p:presentation>
 </file>
 
@@ -268,7 +273,7 @@
           <a:p>
             <a:fld id="{B479CF96-F1FF-1349-B0C4-E432143F7BBB}" type="datetimeFigureOut">
               <a:rPr lang="en-US" smtClean="0"/>
-              <a:t>2/4/21</a:t>
+              <a:t>2/5/21</a:t>
             </a:fld>
             <a:endParaRPr lang="en-US"/>
           </a:p>
@@ -466,7 +471,7 @@
           <a:p>
             <a:fld id="{B479CF96-F1FF-1349-B0C4-E432143F7BBB}" type="datetimeFigureOut">
               <a:rPr lang="en-US" smtClean="0"/>
-              <a:t>2/4/21</a:t>
+              <a:t>2/5/21</a:t>
             </a:fld>
             <a:endParaRPr lang="en-US"/>
           </a:p>
@@ -674,7 +679,7 @@
           <a:p>
             <a:fld id="{B479CF96-F1FF-1349-B0C4-E432143F7BBB}" type="datetimeFigureOut">
               <a:rPr lang="en-US" smtClean="0"/>
-              <a:t>2/4/21</a:t>
+              <a:t>2/5/21</a:t>
             </a:fld>
             <a:endParaRPr lang="en-US"/>
           </a:p>
@@ -872,7 +877,7 @@
           <a:p>
             <a:fld id="{B479CF96-F1FF-1349-B0C4-E432143F7BBB}" type="datetimeFigureOut">
               <a:rPr lang="en-US" smtClean="0"/>
-              <a:t>2/4/21</a:t>
+              <a:t>2/5/21</a:t>
             </a:fld>
             <a:endParaRPr lang="en-US"/>
           </a:p>
@@ -1147,7 +1152,7 @@
           <a:p>
             <a:fld id="{B479CF96-F1FF-1349-B0C4-E432143F7BBB}" type="datetimeFigureOut">
               <a:rPr lang="en-US" smtClean="0"/>
-              <a:t>2/4/21</a:t>
+              <a:t>2/5/21</a:t>
             </a:fld>
             <a:endParaRPr lang="en-US"/>
           </a:p>
@@ -1412,7 +1417,7 @@
           <a:p>
             <a:fld id="{B479CF96-F1FF-1349-B0C4-E432143F7BBB}" type="datetimeFigureOut">
               <a:rPr lang="en-US" smtClean="0"/>
-              <a:t>2/4/21</a:t>
+              <a:t>2/5/21</a:t>
             </a:fld>
             <a:endParaRPr lang="en-US"/>
           </a:p>
@@ -1824,7 +1829,7 @@
           <a:p>
             <a:fld id="{B479CF96-F1FF-1349-B0C4-E432143F7BBB}" type="datetimeFigureOut">
               <a:rPr lang="en-US" smtClean="0"/>
-              <a:t>2/4/21</a:t>
+              <a:t>2/5/21</a:t>
             </a:fld>
             <a:endParaRPr lang="en-US"/>
           </a:p>
@@ -1965,7 +1970,7 @@
           <a:p>
             <a:fld id="{B479CF96-F1FF-1349-B0C4-E432143F7BBB}" type="datetimeFigureOut">
               <a:rPr lang="en-US" smtClean="0"/>
-              <a:t>2/4/21</a:t>
+              <a:t>2/5/21</a:t>
             </a:fld>
             <a:endParaRPr lang="en-US"/>
           </a:p>
@@ -2078,7 +2083,7 @@
           <a:p>
             <a:fld id="{B479CF96-F1FF-1349-B0C4-E432143F7BBB}" type="datetimeFigureOut">
               <a:rPr lang="en-US" smtClean="0"/>
-              <a:t>2/4/21</a:t>
+              <a:t>2/5/21</a:t>
             </a:fld>
             <a:endParaRPr lang="en-US"/>
           </a:p>
@@ -2389,7 +2394,7 @@
           <a:p>
             <a:fld id="{B479CF96-F1FF-1349-B0C4-E432143F7BBB}" type="datetimeFigureOut">
               <a:rPr lang="en-US" smtClean="0"/>
-              <a:t>2/4/21</a:t>
+              <a:t>2/5/21</a:t>
             </a:fld>
             <a:endParaRPr lang="en-US"/>
           </a:p>
@@ -2677,7 +2682,7 @@
           <a:p>
             <a:fld id="{B479CF96-F1FF-1349-B0C4-E432143F7BBB}" type="datetimeFigureOut">
               <a:rPr lang="en-US" smtClean="0"/>
-              <a:t>2/4/21</a:t>
+              <a:t>2/5/21</a:t>
             </a:fld>
             <a:endParaRPr lang="en-US"/>
           </a:p>
@@ -2918,7 +2923,7 @@
           <a:p>
             <a:fld id="{B479CF96-F1FF-1349-B0C4-E432143F7BBB}" type="datetimeFigureOut">
               <a:rPr lang="en-US" smtClean="0"/>
-              <a:t>2/4/21</a:t>
+              <a:t>2/5/21</a:t>
             </a:fld>
             <a:endParaRPr lang="en-US"/>
           </a:p>
@@ -7769,16 +7774,6 @@
             </a:r>
           </a:p>
           <a:p>
-            <a:pPr marL="285750" indent="-285750">
-              <a:buFont typeface="Arial" panose="020B0604020202020204" pitchFamily="34" charset="0"/>
-              <a:buChar char="•"/>
-            </a:pPr>
-            <a:r>
-              <a:rPr lang="en-US" dirty="0"/>
-              <a:t>Country</a:t>
-            </a:r>
-          </a:p>
-          <a:p>
             <a:pPr marL="742950" lvl="1" indent="-285750">
               <a:buFont typeface="Arial" panose="020B0604020202020204" pitchFamily="34" charset="0"/>
               <a:buChar char="•"/>
@@ -8297,13 +8292,33 @@
           </a:xfrm>
         </p:spPr>
         <p:txBody>
-          <a:bodyPr/>
-          <a:lstStyle/>
-          <a:p>
+          <a:bodyPr>
+            <a:normAutofit fontScale="90000"/>
+          </a:bodyPr>
+          <a:lstStyle/>
+          <a:p>
+            <a:pPr algn="ctr"/>
             <a:r>
               <a:rPr lang="en-US" dirty="0"/>
               <a:t>Destination Travel Entry Page</a:t>
             </a:r>
+            <a:br>
+              <a:rPr lang="en-US" dirty="0"/>
+            </a:br>
+            <a:r>
+              <a:rPr lang="en-US" dirty="0">
+                <a:solidFill>
+                  <a:schemeClr val="accent4">
+                    <a:lumMod val="50000"/>
+                  </a:schemeClr>
+                </a:solidFill>
+              </a:rPr>
+              <a:t>MPV +</a:t>
+            </a:r>
+            <a:br>
+              <a:rPr lang="en-US" dirty="0"/>
+            </a:br>
+            <a:endParaRPr lang="en-US" dirty="0"/>
           </a:p>
         </p:txBody>
       </p:sp>
@@ -8960,10 +8975,25 @@
           <a:bodyPr/>
           <a:lstStyle/>
           <a:p>
+            <a:pPr algn="ctr"/>
             <a:r>
               <a:rPr lang="en-US" dirty="0"/>
               <a:t>Final Destination Travel Profile </a:t>
             </a:r>
+            <a:br>
+              <a:rPr lang="en-US" dirty="0"/>
+            </a:br>
+            <a:r>
+              <a:rPr lang="en-US" dirty="0">
+                <a:solidFill>
+                  <a:schemeClr val="accent4">
+                    <a:lumMod val="50000"/>
+                  </a:schemeClr>
+                </a:solidFill>
+              </a:rPr>
+              <a:t>MPV +</a:t>
+            </a:r>
+            <a:endParaRPr lang="en-US" dirty="0"/>
           </a:p>
         </p:txBody>
       </p:sp>
